--- a/lectures/DJ-06-MVC.pptx
+++ b/lectures/DJ-06-MVC.pptx
@@ -207,7 +207,7 @@
           <a:p>
             <a:fld id="{C97B56FC-7D2E-F343-9D09-0D14B00AA564}" type="datetimeFigureOut">
               <a:rPr lang="en-US" smtClean="0"/>
-              <a:t>2/1/19</a:t>
+              <a:t>9/20/19</a:t>
             </a:fld>
             <a:endParaRPr lang="en-US"/>
           </a:p>
@@ -778,7 +778,7 @@
           <a:p>
             <a:fld id="{EEE7C04C-7AF8-1445-A186-502B631B934F}" type="datetimeFigureOut">
               <a:rPr lang="en-US" smtClean="0"/>
-              <a:t>2/1/19</a:t>
+              <a:t>9/20/19</a:t>
             </a:fld>
             <a:endParaRPr lang="en-US"/>
           </a:p>
@@ -943,7 +943,7 @@
           <a:p>
             <a:fld id="{EEE7C04C-7AF8-1445-A186-502B631B934F}" type="datetimeFigureOut">
               <a:rPr lang="en-US" smtClean="0"/>
-              <a:t>2/1/19</a:t>
+              <a:t>9/20/19</a:t>
             </a:fld>
             <a:endParaRPr lang="en-US"/>
           </a:p>
@@ -1118,7 +1118,7 @@
           <a:p>
             <a:fld id="{EEE7C04C-7AF8-1445-A186-502B631B934F}" type="datetimeFigureOut">
               <a:rPr lang="en-US" smtClean="0"/>
-              <a:t>2/1/19</a:t>
+              <a:t>9/20/19</a:t>
             </a:fld>
             <a:endParaRPr lang="en-US"/>
           </a:p>
@@ -1283,7 +1283,7 @@
           <a:p>
             <a:fld id="{EEE7C04C-7AF8-1445-A186-502B631B934F}" type="datetimeFigureOut">
               <a:rPr lang="en-US" smtClean="0"/>
-              <a:t>2/1/19</a:t>
+              <a:t>9/20/19</a:t>
             </a:fld>
             <a:endParaRPr lang="en-US"/>
           </a:p>
@@ -1524,7 +1524,7 @@
           <a:p>
             <a:fld id="{EEE7C04C-7AF8-1445-A186-502B631B934F}" type="datetimeFigureOut">
               <a:rPr lang="en-US" smtClean="0"/>
-              <a:t>2/1/19</a:t>
+              <a:t>9/20/19</a:t>
             </a:fld>
             <a:endParaRPr lang="en-US"/>
           </a:p>
@@ -1751,7 +1751,7 @@
           <a:p>
             <a:fld id="{EEE7C04C-7AF8-1445-A186-502B631B934F}" type="datetimeFigureOut">
               <a:rPr lang="en-US" smtClean="0"/>
-              <a:t>2/1/19</a:t>
+              <a:t>9/20/19</a:t>
             </a:fld>
             <a:endParaRPr lang="en-US"/>
           </a:p>
@@ -2113,7 +2113,7 @@
           <a:p>
             <a:fld id="{EEE7C04C-7AF8-1445-A186-502B631B934F}" type="datetimeFigureOut">
               <a:rPr lang="en-US" smtClean="0"/>
-              <a:t>2/1/19</a:t>
+              <a:t>9/20/19</a:t>
             </a:fld>
             <a:endParaRPr lang="en-US"/>
           </a:p>
@@ -2226,7 +2226,7 @@
           <a:p>
             <a:fld id="{EEE7C04C-7AF8-1445-A186-502B631B934F}" type="datetimeFigureOut">
               <a:rPr lang="en-US" smtClean="0"/>
-              <a:t>2/1/19</a:t>
+              <a:t>9/20/19</a:t>
             </a:fld>
             <a:endParaRPr lang="en-US"/>
           </a:p>
@@ -2316,7 +2316,7 @@
           <a:p>
             <a:fld id="{EEE7C04C-7AF8-1445-A186-502B631B934F}" type="datetimeFigureOut">
               <a:rPr lang="en-US" smtClean="0"/>
-              <a:t>2/1/19</a:t>
+              <a:t>9/20/19</a:t>
             </a:fld>
             <a:endParaRPr lang="en-US"/>
           </a:p>
@@ -2588,7 +2588,7 @@
           <a:p>
             <a:fld id="{EEE7C04C-7AF8-1445-A186-502B631B934F}" type="datetimeFigureOut">
               <a:rPr lang="en-US" smtClean="0"/>
-              <a:t>2/1/19</a:t>
+              <a:t>9/20/19</a:t>
             </a:fld>
             <a:endParaRPr lang="en-US"/>
           </a:p>
@@ -2840,7 +2840,7 @@
           <a:p>
             <a:fld id="{EEE7C04C-7AF8-1445-A186-502B631B934F}" type="datetimeFigureOut">
               <a:rPr lang="en-US" smtClean="0"/>
-              <a:t>2/1/19</a:t>
+              <a:t>9/20/19</a:t>
             </a:fld>
             <a:endParaRPr lang="en-US"/>
           </a:p>
@@ -3048,7 +3048,7 @@
           <a:p>
             <a:fld id="{EEE7C04C-7AF8-1445-A186-502B631B934F}" type="datetimeFigureOut">
               <a:rPr lang="en-US" smtClean="0"/>
-              <a:t>2/1/19</a:t>
+              <a:t>9/20/19</a:t>
             </a:fld>
             <a:endParaRPr lang="en-US"/>
           </a:p>
@@ -3466,10 +3466,10 @@
           <p:cNvPr id="10" name="Rectangle 9">
             <a:extLst>
               <a:ext uri="{FF2B5EF4-FFF2-40B4-BE49-F238E27FC236}">
-                <a16:creationId xmlns="" xmlns:a16="http://schemas.microsoft.com/office/drawing/2014/main" id="{E20EB187-900F-4AF5-813B-101456D9FD39}"/>
+                <a16:creationId xmlns:a16="http://schemas.microsoft.com/office/drawing/2014/main" xmlns="" id="{E20EB187-900F-4AF5-813B-101456D9FD39}"/>
               </a:ext>
               <a:ext uri="{C183D7F6-B498-43B3-948B-1728B52AA6E4}">
-                <adec:decorative xmlns="" xmlns:adec="http://schemas.microsoft.com/office/drawing/2017/decorative" val="1"/>
+                <adec:decorative xmlns:adec="http://schemas.microsoft.com/office/drawing/2017/decorative" xmlns="" val="1"/>
               </a:ext>
             </a:extLst>
           </p:cNvPr>
@@ -3524,36 +3524,6 @@
           </a:p>
         </p:txBody>
       </p:sp>
-      <p:pic>
-        <p:nvPicPr>
-          <p:cNvPr id="4" name="Picture 3"/>
-          <p:cNvPicPr>
-            <a:picLocks noChangeAspect="1"/>
-          </p:cNvPicPr>
-          <p:nvPr/>
-        </p:nvPicPr>
-        <p:blipFill rotWithShape="1">
-          <a:blip r:embed="rId2">
-            <a:alphaModFix amt="50000"/>
-            <a:extLst>
-              <a:ext uri="{28A0092B-C50C-407E-A947-70E740481C1C}">
-                <a14:useLocalDpi xmlns:a14="http://schemas.microsoft.com/office/drawing/2010/main" val="0"/>
-              </a:ext>
-            </a:extLst>
-          </a:blip>
-          <a:srcRect b="2174"/>
-          <a:stretch/>
-        </p:blipFill>
-        <p:spPr>
-          <a:xfrm>
-            <a:off x="20" y="1"/>
-            <a:ext cx="12191980" cy="6857999"/>
-          </a:xfrm>
-          <a:prstGeom prst="rect">
-            <a:avLst/>
-          </a:prstGeom>
-        </p:spPr>
-      </p:pic>
       <p:sp>
         <p:nvSpPr>
           <p:cNvPr id="2" name="Title 1"/>
@@ -3643,10 +3613,10 @@
           <p:cNvPr id="12" name="Straight Connector 11">
             <a:extLst>
               <a:ext uri="{FF2B5EF4-FFF2-40B4-BE49-F238E27FC236}">
-                <a16:creationId xmlns="" xmlns:a16="http://schemas.microsoft.com/office/drawing/2014/main" id="{624D17C8-E9C2-48A4-AA36-D7048A6CCC41}"/>
+                <a16:creationId xmlns:a16="http://schemas.microsoft.com/office/drawing/2014/main" xmlns="" id="{624D17C8-E9C2-48A4-AA36-D7048A6CCC41}"/>
               </a:ext>
               <a:ext uri="{C183D7F6-B498-43B3-948B-1728B52AA6E4}">
-                <adec:decorative xmlns="" xmlns:adec="http://schemas.microsoft.com/office/drawing/2017/decorative" val="1"/>
+                <adec:decorative xmlns:adec="http://schemas.microsoft.com/office/drawing/2017/decorative" xmlns="" val="1"/>
               </a:ext>
             </a:extLst>
           </p:cNvPr>
@@ -3699,7 +3669,7 @@
           <p:nvPr/>
         </p:nvPicPr>
         <p:blipFill>
-          <a:blip r:embed="rId3">
+          <a:blip r:embed="rId2">
             <a:extLst>
               <a:ext uri="{28A0092B-C50C-407E-A947-70E740481C1C}">
                 <a14:useLocalDpi xmlns:a14="http://schemas.microsoft.com/office/drawing/2010/main" val="0"/>
